--- a/Internent of things_phase1.pptx
+++ b/Internent of things_phase1.pptx
@@ -1759,7 +1759,7 @@
           <a:p>
             <a:r>
               <a:rPr lang="en-US"/>
-              <a:t>sreenu17132572gmail.com</a:t>
+              <a:t>sreenu1713257gmail.com</a:t>
             </a:r>
             <a:endParaRPr lang="en-US"/>
           </a:p>
